--- a/Presentation/Project_Walkthrough.pptx
+++ b/Presentation/Project_Walkthrough.pptx
@@ -5,11 +5,17 @@
     <p:sldMasterId id="2147483648" r:id="rId1"/>
   </p:sldMasterIdLst>
   <p:notesMasterIdLst>
-    <p:notesMasterId r:id="rId4"/>
+    <p:notesMasterId r:id="rId10"/>
   </p:notesMasterIdLst>
   <p:sldIdLst>
     <p:sldId id="256" r:id="rId2"/>
-    <p:sldId id="258" r:id="rId3"/>
+    <p:sldId id="257" r:id="rId3"/>
+    <p:sldId id="258" r:id="rId4"/>
+    <p:sldId id="259" r:id="rId5"/>
+    <p:sldId id="260" r:id="rId6"/>
+    <p:sldId id="261" r:id="rId7"/>
+    <p:sldId id="262" r:id="rId8"/>
+    <p:sldId id="263" r:id="rId9"/>
   </p:sldIdLst>
   <p:sldSz cx="12192000" cy="6858000"/>
   <p:notesSz cx="6858000" cy="9144000"/>
@@ -108,6 +114,11 @@
       </a:defRPr>
     </a:lvl9pPr>
   </p:defaultTextStyle>
+  <p:extLst>
+    <p:ext uri="{EFAFB233-063F-42B5-8137-9DF3F51BA10A}">
+      <p15:sldGuideLst xmlns:p15="http://schemas.microsoft.com/office/powerpoint/2012/main"/>
+    </p:ext>
+  </p:extLst>
 </p:presentation>
 </file>
 
@@ -193,7 +204,7 @@
           <a:p>
             <a:fld id="{BDCAE6AE-1621-4B16-9D5B-347BA6F7222C}" type="datetimeFigureOut">
               <a:rPr lang="en-US" smtClean="0"/>
-              <a:t>4/22/2017</a:t>
+              <a:t>4/24/2017</a:t>
             </a:fld>
             <a:endParaRPr lang="en-US"/>
           </a:p>
@@ -544,6 +555,90 @@
 </p:notes>
 </file>
 
+<file path=ppt/notesSlides/notesSlide2.xml><?xml version="1.0" encoding="utf-8"?>
+<p:notes xmlns:a="http://schemas.openxmlformats.org/drawingml/2006/main" xmlns:r="http://schemas.openxmlformats.org/officeDocument/2006/relationships" xmlns:p="http://schemas.openxmlformats.org/presentationml/2006/main">
+  <p:cSld>
+    <p:spTree>
+      <p:nvGrpSpPr>
+        <p:cNvPr id="1" name=""/>
+        <p:cNvGrpSpPr/>
+        <p:nvPr/>
+      </p:nvGrpSpPr>
+      <p:grpSpPr>
+        <a:xfrm>
+          <a:off x="0" y="0"/>
+          <a:ext cx="0" cy="0"/>
+          <a:chOff x="0" y="0"/>
+          <a:chExt cx="0" cy="0"/>
+        </a:xfrm>
+      </p:grpSpPr>
+      <p:sp>
+        <p:nvSpPr>
+          <p:cNvPr id="2" name="Slide Image Placeholder 1"/>
+          <p:cNvSpPr>
+            <a:spLocks noGrp="1" noRot="1" noChangeAspect="1"/>
+          </p:cNvSpPr>
+          <p:nvPr>
+            <p:ph type="sldImg"/>
+          </p:nvPr>
+        </p:nvSpPr>
+        <p:spPr/>
+      </p:sp>
+      <p:sp>
+        <p:nvSpPr>
+          <p:cNvPr id="3" name="Notes Placeholder 2"/>
+          <p:cNvSpPr>
+            <a:spLocks noGrp="1"/>
+          </p:cNvSpPr>
+          <p:nvPr>
+            <p:ph type="body" idx="1"/>
+          </p:nvPr>
+        </p:nvSpPr>
+        <p:spPr/>
+        <p:txBody>
+          <a:bodyPr/>
+          <a:lstStyle/>
+          <a:p>
+            <a:endParaRPr lang="en-US" dirty="0"/>
+          </a:p>
+        </p:txBody>
+      </p:sp>
+      <p:sp>
+        <p:nvSpPr>
+          <p:cNvPr id="4" name="Slide Number Placeholder 3"/>
+          <p:cNvSpPr>
+            <a:spLocks noGrp="1"/>
+          </p:cNvSpPr>
+          <p:nvPr>
+            <p:ph type="sldNum" sz="quarter" idx="10"/>
+          </p:nvPr>
+        </p:nvSpPr>
+        <p:spPr/>
+        <p:txBody>
+          <a:bodyPr/>
+          <a:lstStyle/>
+          <a:p>
+            <a:fld id="{47F68D78-9802-4719-81C3-B2C77A33AF06}" type="slidenum">
+              <a:rPr lang="en-US" smtClean="0"/>
+              <a:t>3</a:t>
+            </a:fld>
+            <a:endParaRPr lang="en-US"/>
+          </a:p>
+        </p:txBody>
+      </p:sp>
+    </p:spTree>
+    <p:extLst>
+      <p:ext uri="{BB962C8B-B14F-4D97-AF65-F5344CB8AC3E}">
+        <p14:creationId xmlns:p14="http://schemas.microsoft.com/office/powerpoint/2010/main" val="1282125977"/>
+      </p:ext>
+    </p:extLst>
+  </p:cSld>
+  <p:clrMapOvr>
+    <a:masterClrMapping/>
+  </p:clrMapOvr>
+</p:notes>
+</file>
+
 <file path=ppt/slideLayouts/slideLayout1.xml><?xml version="1.0" encoding="utf-8"?>
 <p:sldLayout xmlns:a="http://schemas.openxmlformats.org/drawingml/2006/main" xmlns:r="http://schemas.openxmlformats.org/officeDocument/2006/relationships" xmlns:p="http://schemas.openxmlformats.org/presentationml/2006/main" type="title" preserve="1">
   <p:cSld name="Title Slide">
@@ -673,7 +768,7 @@
           <a:p>
             <a:fld id="{623EAE79-5792-450F-941D-3F623B3D1B8D}" type="datetimeFigureOut">
               <a:rPr lang="en-US" smtClean="0"/>
-              <a:t>4/22/2017</a:t>
+              <a:t>4/24/2017</a:t>
             </a:fld>
             <a:endParaRPr lang="en-US"/>
           </a:p>
@@ -841,7 +936,7 @@
           <a:p>
             <a:fld id="{623EAE79-5792-450F-941D-3F623B3D1B8D}" type="datetimeFigureOut">
               <a:rPr lang="en-US" smtClean="0"/>
-              <a:t>4/22/2017</a:t>
+              <a:t>4/24/2017</a:t>
             </a:fld>
             <a:endParaRPr lang="en-US"/>
           </a:p>
@@ -1019,7 +1114,7 @@
           <a:p>
             <a:fld id="{623EAE79-5792-450F-941D-3F623B3D1B8D}" type="datetimeFigureOut">
               <a:rPr lang="en-US" smtClean="0"/>
-              <a:t>4/22/2017</a:t>
+              <a:t>4/24/2017</a:t>
             </a:fld>
             <a:endParaRPr lang="en-US"/>
           </a:p>
@@ -1187,7 +1282,7 @@
           <a:p>
             <a:fld id="{623EAE79-5792-450F-941D-3F623B3D1B8D}" type="datetimeFigureOut">
               <a:rPr lang="en-US" smtClean="0"/>
-              <a:t>4/22/2017</a:t>
+              <a:t>4/24/2017</a:t>
             </a:fld>
             <a:endParaRPr lang="en-US"/>
           </a:p>
@@ -1432,7 +1527,7 @@
           <a:p>
             <a:fld id="{623EAE79-5792-450F-941D-3F623B3D1B8D}" type="datetimeFigureOut">
               <a:rPr lang="en-US" smtClean="0"/>
-              <a:t>4/22/2017</a:t>
+              <a:t>4/24/2017</a:t>
             </a:fld>
             <a:endParaRPr lang="en-US"/>
           </a:p>
@@ -1661,7 +1756,7 @@
           <a:p>
             <a:fld id="{623EAE79-5792-450F-941D-3F623B3D1B8D}" type="datetimeFigureOut">
               <a:rPr lang="en-US" smtClean="0"/>
-              <a:t>4/22/2017</a:t>
+              <a:t>4/24/2017</a:t>
             </a:fld>
             <a:endParaRPr lang="en-US"/>
           </a:p>
@@ -2025,7 +2120,7 @@
           <a:p>
             <a:fld id="{623EAE79-5792-450F-941D-3F623B3D1B8D}" type="datetimeFigureOut">
               <a:rPr lang="en-US" smtClean="0"/>
-              <a:t>4/22/2017</a:t>
+              <a:t>4/24/2017</a:t>
             </a:fld>
             <a:endParaRPr lang="en-US"/>
           </a:p>
@@ -2142,7 +2237,7 @@
           <a:p>
             <a:fld id="{623EAE79-5792-450F-941D-3F623B3D1B8D}" type="datetimeFigureOut">
               <a:rPr lang="en-US" smtClean="0"/>
-              <a:t>4/22/2017</a:t>
+              <a:t>4/24/2017</a:t>
             </a:fld>
             <a:endParaRPr lang="en-US"/>
           </a:p>
@@ -2237,7 +2332,7 @@
           <a:p>
             <a:fld id="{623EAE79-5792-450F-941D-3F623B3D1B8D}" type="datetimeFigureOut">
               <a:rPr lang="en-US" smtClean="0"/>
-              <a:t>4/22/2017</a:t>
+              <a:t>4/24/2017</a:t>
             </a:fld>
             <a:endParaRPr lang="en-US"/>
           </a:p>
@@ -2512,7 +2607,7 @@
           <a:p>
             <a:fld id="{623EAE79-5792-450F-941D-3F623B3D1B8D}" type="datetimeFigureOut">
               <a:rPr lang="en-US" smtClean="0"/>
-              <a:t>4/22/2017</a:t>
+              <a:t>4/24/2017</a:t>
             </a:fld>
             <a:endParaRPr lang="en-US"/>
           </a:p>
@@ -2764,7 +2859,7 @@
           <a:p>
             <a:fld id="{623EAE79-5792-450F-941D-3F623B3D1B8D}" type="datetimeFigureOut">
               <a:rPr lang="en-US" smtClean="0"/>
-              <a:t>4/22/2017</a:t>
+              <a:t>4/24/2017</a:t>
             </a:fld>
             <a:endParaRPr lang="en-US"/>
           </a:p>
@@ -2831,7 +2926,7 @@
     <p:bg>
       <p:bgPr>
         <a:solidFill>
-          <a:srgbClr val="FFCE7A"/>
+          <a:srgbClr val="F5CB5C"/>
         </a:solidFill>
         <a:effectLst/>
       </p:bgPr>
@@ -2978,7 +3073,7 @@
           <a:p>
             <a:fld id="{623EAE79-5792-450F-941D-3F623B3D1B8D}" type="datetimeFigureOut">
               <a:rPr lang="en-US" smtClean="0"/>
-              <a:t>4/22/2017</a:t>
+              <a:t>4/24/2017</a:t>
             </a:fld>
             <a:endParaRPr lang="en-US"/>
           </a:p>
@@ -3391,7 +3486,7 @@
         </p:nvSpPr>
         <p:spPr>
           <a:xfrm>
-            <a:off x="3019114" y="4127326"/>
+            <a:off x="3069218" y="3670126"/>
             <a:ext cx="6604693" cy="461665"/>
           </a:xfrm>
           <a:prstGeom prst="rect">
@@ -3408,7 +3503,7 @@
             <a:r>
               <a:rPr lang="en-US" sz="2400" dirty="0">
                 <a:solidFill>
-                  <a:srgbClr val="754F44"/>
+                  <a:srgbClr val="333533"/>
                 </a:solidFill>
                 <a:latin typeface="Candara" panose="020E0502030303020204" pitchFamily="34" charset="0"/>
               </a:rPr>
@@ -3417,36 +3512,40 @@
           </a:p>
         </p:txBody>
       </p:sp>
-      <p:pic>
-        <p:nvPicPr>
-          <p:cNvPr id="11" name="Picture 10"/>
-          <p:cNvPicPr>
-            <a:picLocks noChangeAspect="1"/>
-          </p:cNvPicPr>
+      <p:sp>
+        <p:nvSpPr>
+          <p:cNvPr id="6" name="TextBox 5"/>
+          <p:cNvSpPr txBox="1"/>
           <p:nvPr/>
-        </p:nvPicPr>
-        <p:blipFill>
-          <a:blip r:embed="rId3">
-            <a:extLst>
-              <a:ext uri="{28A0092B-C50C-407E-A947-70E740481C1C}">
-                <a14:useLocalDpi xmlns:a14="http://schemas.microsoft.com/office/drawing/2010/main" val="0"/>
-              </a:ext>
-            </a:extLst>
-          </a:blip>
-          <a:stretch>
-            <a:fillRect/>
-          </a:stretch>
-        </p:blipFill>
+        </p:nvSpPr>
         <p:spPr>
           <a:xfrm>
-            <a:off x="3174395" y="1705771"/>
-            <a:ext cx="6294133" cy="2106172"/>
+            <a:off x="2499350" y="2404996"/>
+            <a:ext cx="7744428" cy="1015663"/>
           </a:xfrm>
           <a:prstGeom prst="rect">
             <a:avLst/>
           </a:prstGeom>
+          <a:noFill/>
         </p:spPr>
-      </p:pic>
+        <p:txBody>
+          <a:bodyPr wrap="square" rtlCol="0">
+            <a:spAutoFit/>
+          </a:bodyPr>
+          <a:lstStyle/>
+          <a:p>
+            <a:r>
+              <a:rPr lang="en-US" sz="6000" dirty="0">
+                <a:solidFill>
+                  <a:srgbClr val="242423"/>
+                </a:solidFill>
+                <a:latin typeface="Raleway" panose="020B0503030101060003" pitchFamily="34" charset="0"/>
+              </a:rPr>
+              <a:t>Measuring Footprints</a:t>
+            </a:r>
+          </a:p>
+        </p:txBody>
+      </p:sp>
     </p:spTree>
     <p:extLst>
       <p:ext uri="{BB962C8B-B14F-4D97-AF65-F5344CB8AC3E}">
@@ -3492,32 +3591,113 @@
           <a:bodyPr/>
           <a:lstStyle/>
           <a:p>
-            <a:endParaRPr lang="en-US"/>
-          </a:p>
-        </p:txBody>
-      </p:sp>
-      <p:sp>
-        <p:nvSpPr>
-          <p:cNvPr id="3" name="Content Placeholder 2"/>
-          <p:cNvSpPr>
-            <a:spLocks noGrp="1"/>
-          </p:cNvSpPr>
-          <p:nvPr>
-            <p:ph idx="1"/>
-          </p:nvPr>
-        </p:nvSpPr>
-        <p:spPr/>
-        <p:txBody>
-          <a:bodyPr/>
-          <a:lstStyle/>
-          <a:p>
-            <a:endParaRPr lang="en-US" dirty="0"/>
+            <a:r>
+              <a:rPr lang="en-US" dirty="0">
+                <a:latin typeface="Raleway" panose="020B0503030101060003" pitchFamily="34" charset="0"/>
+              </a:rPr>
+              <a:t>Project Overview</a:t>
+            </a:r>
+          </a:p>
+        </p:txBody>
+      </p:sp>
+      <p:sp>
+        <p:nvSpPr>
+          <p:cNvPr id="5" name="TextBox 4"/>
+          <p:cNvSpPr txBox="1"/>
+          <p:nvPr/>
+        </p:nvSpPr>
+        <p:spPr>
+          <a:xfrm>
+            <a:off x="838200" y="1835063"/>
+            <a:ext cx="9313832" cy="523220"/>
+          </a:xfrm>
+          <a:prstGeom prst="rect">
+            <a:avLst/>
+          </a:prstGeom>
+          <a:noFill/>
+        </p:spPr>
+        <p:txBody>
+          <a:bodyPr wrap="none" rtlCol="0">
+            <a:spAutoFit/>
+          </a:bodyPr>
+          <a:lstStyle/>
+          <a:p>
+            <a:r>
+              <a:rPr lang="en-US" sz="2800" dirty="0">
+                <a:solidFill>
+                  <a:srgbClr val="333533"/>
+                </a:solidFill>
+                <a:latin typeface="Calibri" panose="020F0502020204030204" pitchFamily="34" charset="0"/>
+                <a:cs typeface="Calibri" panose="020F0502020204030204" pitchFamily="34" charset="0"/>
+              </a:rPr>
+              <a:t>Create an </a:t>
+            </a:r>
+            <a:r>
+              <a:rPr lang="en-US" sz="2800" b="1" dirty="0">
+                <a:solidFill>
+                  <a:srgbClr val="333533"/>
+                </a:solidFill>
+                <a:latin typeface="Calibri" panose="020F0502020204030204" pitchFamily="34" charset="0"/>
+                <a:cs typeface="Calibri" panose="020F0502020204030204" pitchFamily="34" charset="0"/>
+              </a:rPr>
+              <a:t>algorithm</a:t>
+            </a:r>
+            <a:r>
+              <a:rPr lang="en-US" sz="2800" dirty="0">
+                <a:solidFill>
+                  <a:srgbClr val="333533"/>
+                </a:solidFill>
+                <a:latin typeface="Calibri" panose="020F0502020204030204" pitchFamily="34" charset="0"/>
+                <a:cs typeface="Calibri" panose="020F0502020204030204" pitchFamily="34" charset="0"/>
+              </a:rPr>
+              <a:t> to calculate the </a:t>
+            </a:r>
+            <a:r>
+              <a:rPr lang="en-US" sz="2800" b="1" dirty="0">
+                <a:solidFill>
+                  <a:srgbClr val="333533"/>
+                </a:solidFill>
+                <a:latin typeface="Calibri" panose="020F0502020204030204" pitchFamily="34" charset="0"/>
+                <a:cs typeface="Calibri" panose="020F0502020204030204" pitchFamily="34" charset="0"/>
+              </a:rPr>
+              <a:t>carbon footprint</a:t>
+            </a:r>
+            <a:r>
+              <a:rPr lang="en-US" sz="2800" dirty="0">
+                <a:solidFill>
+                  <a:srgbClr val="333533"/>
+                </a:solidFill>
+                <a:latin typeface="Calibri" panose="020F0502020204030204" pitchFamily="34" charset="0"/>
+                <a:cs typeface="Calibri" panose="020F0502020204030204" pitchFamily="34" charset="0"/>
+              </a:rPr>
+              <a:t> of a </a:t>
+            </a:r>
+            <a:r>
+              <a:rPr lang="en-US" sz="2800" b="1" dirty="0">
+                <a:solidFill>
+                  <a:srgbClr val="333533"/>
+                </a:solidFill>
+                <a:latin typeface="Calibri" panose="020F0502020204030204" pitchFamily="34" charset="0"/>
+                <a:cs typeface="Calibri" panose="020F0502020204030204" pitchFamily="34" charset="0"/>
+              </a:rPr>
+              <a:t>city</a:t>
+            </a:r>
+            <a:r>
+              <a:rPr lang="en-US" sz="2800" dirty="0">
+                <a:solidFill>
+                  <a:srgbClr val="333533"/>
+                </a:solidFill>
+                <a:latin typeface="Calibri" panose="020F0502020204030204" pitchFamily="34" charset="0"/>
+                <a:cs typeface="Calibri" panose="020F0502020204030204" pitchFamily="34" charset="0"/>
+              </a:rPr>
+              <a:t>.</a:t>
+            </a:r>
           </a:p>
         </p:txBody>
       </p:sp>
       <p:pic>
         <p:nvPicPr>
-          <p:cNvPr id="4" name="Picture 3"/>
+          <p:cNvPr id="7" name="Picture 6"/>
           <p:cNvPicPr>
             <a:picLocks noChangeAspect="1"/>
           </p:cNvPicPr>
@@ -3537,8 +3717,8 @@
         </p:blipFill>
         <p:spPr>
           <a:xfrm>
-            <a:off x="2526101" y="602151"/>
-            <a:ext cx="6690940" cy="868755"/>
+            <a:off x="9501402" y="4102684"/>
+            <a:ext cx="2755316" cy="2755316"/>
           </a:xfrm>
           <a:prstGeom prst="rect">
             <a:avLst/>
@@ -3548,7 +3728,1240 @@
     </p:spTree>
     <p:extLst>
       <p:ext uri="{BB962C8B-B14F-4D97-AF65-F5344CB8AC3E}">
-        <p14:creationId xmlns:p14="http://schemas.microsoft.com/office/powerpoint/2010/main" val="3831462884"/>
+        <p14:creationId xmlns:p14="http://schemas.microsoft.com/office/powerpoint/2010/main" val="2652150335"/>
+      </p:ext>
+    </p:extLst>
+  </p:cSld>
+  <p:clrMapOvr>
+    <a:masterClrMapping/>
+  </p:clrMapOvr>
+</p:sld>
+</file>
+
+<file path=ppt/slides/slide3.xml><?xml version="1.0" encoding="utf-8"?>
+<p:sld xmlns:a="http://schemas.openxmlformats.org/drawingml/2006/main" xmlns:r="http://schemas.openxmlformats.org/officeDocument/2006/relationships" xmlns:p="http://schemas.openxmlformats.org/presentationml/2006/main">
+  <p:cSld>
+    <p:spTree>
+      <p:nvGrpSpPr>
+        <p:cNvPr id="1" name=""/>
+        <p:cNvGrpSpPr/>
+        <p:nvPr/>
+      </p:nvGrpSpPr>
+      <p:grpSpPr>
+        <a:xfrm>
+          <a:off x="0" y="0"/>
+          <a:ext cx="0" cy="0"/>
+          <a:chOff x="0" y="0"/>
+          <a:chExt cx="0" cy="0"/>
+        </a:xfrm>
+      </p:grpSpPr>
+      <p:sp>
+        <p:nvSpPr>
+          <p:cNvPr id="2" name="Title 1"/>
+          <p:cNvSpPr>
+            <a:spLocks noGrp="1"/>
+          </p:cNvSpPr>
+          <p:nvPr>
+            <p:ph type="title"/>
+          </p:nvPr>
+        </p:nvSpPr>
+        <p:spPr/>
+        <p:txBody>
+          <a:bodyPr/>
+          <a:lstStyle/>
+          <a:p>
+            <a:r>
+              <a:rPr lang="en-US" dirty="0">
+                <a:latin typeface="Raleway" panose="020B0503030101060003" pitchFamily="34" charset="0"/>
+              </a:rPr>
+              <a:t>Carbon Footprints</a:t>
+            </a:r>
+          </a:p>
+        </p:txBody>
+      </p:sp>
+      <p:pic>
+        <p:nvPicPr>
+          <p:cNvPr id="5" name="Picture 4"/>
+          <p:cNvPicPr>
+            <a:picLocks noChangeAspect="1"/>
+          </p:cNvPicPr>
+          <p:nvPr/>
+        </p:nvPicPr>
+        <p:blipFill>
+          <a:blip r:embed="rId3">
+            <a:extLst>
+              <a:ext uri="{28A0092B-C50C-407E-A947-70E740481C1C}">
+                <a14:useLocalDpi xmlns:a14="http://schemas.microsoft.com/office/drawing/2010/main" val="0"/>
+              </a:ext>
+            </a:extLst>
+          </a:blip>
+          <a:stretch>
+            <a:fillRect/>
+          </a:stretch>
+        </p:blipFill>
+        <p:spPr>
+          <a:xfrm>
+            <a:off x="551198" y="1734856"/>
+            <a:ext cx="2046908" cy="2046908"/>
+          </a:xfrm>
+          <a:prstGeom prst="rect">
+            <a:avLst/>
+          </a:prstGeom>
+        </p:spPr>
+      </p:pic>
+      <p:sp>
+        <p:nvSpPr>
+          <p:cNvPr id="6" name="TextBox 5"/>
+          <p:cNvSpPr txBox="1"/>
+          <p:nvPr/>
+        </p:nvSpPr>
+        <p:spPr>
+          <a:xfrm>
+            <a:off x="2179528" y="2651839"/>
+            <a:ext cx="5479449" cy="523220"/>
+          </a:xfrm>
+          <a:prstGeom prst="rect">
+            <a:avLst/>
+          </a:prstGeom>
+          <a:noFill/>
+        </p:spPr>
+        <p:txBody>
+          <a:bodyPr wrap="none" rtlCol="0">
+            <a:spAutoFit/>
+          </a:bodyPr>
+          <a:lstStyle/>
+          <a:p>
+            <a:r>
+              <a:rPr lang="en-US" sz="2800" dirty="0">
+                <a:solidFill>
+                  <a:srgbClr val="333533"/>
+                </a:solidFill>
+              </a:rPr>
+              <a:t>= CO</a:t>
+            </a:r>
+            <a:r>
+              <a:rPr lang="en-US" sz="2800" baseline="-25000" dirty="0">
+                <a:solidFill>
+                  <a:srgbClr val="333533"/>
+                </a:solidFill>
+              </a:rPr>
+              <a:t>2</a:t>
+            </a:r>
+            <a:r>
+              <a:rPr lang="en-US" sz="2800" dirty="0">
+                <a:solidFill>
+                  <a:srgbClr val="333533"/>
+                </a:solidFill>
+              </a:rPr>
+              <a:t>e or Carbon Dioxide Equivalent</a:t>
+            </a:r>
+          </a:p>
+        </p:txBody>
+      </p:sp>
+      <p:pic>
+        <p:nvPicPr>
+          <p:cNvPr id="13" name="Picture 12"/>
+          <p:cNvPicPr>
+            <a:picLocks noChangeAspect="1"/>
+          </p:cNvPicPr>
+          <p:nvPr/>
+        </p:nvPicPr>
+        <p:blipFill>
+          <a:blip r:embed="rId4">
+            <a:extLst>
+              <a:ext uri="{28A0092B-C50C-407E-A947-70E740481C1C}">
+                <a14:useLocalDpi xmlns:a14="http://schemas.microsoft.com/office/drawing/2010/main" val="0"/>
+              </a:ext>
+            </a:extLst>
+          </a:blip>
+          <a:stretch>
+            <a:fillRect/>
+          </a:stretch>
+        </p:blipFill>
+        <p:spPr>
+          <a:xfrm>
+            <a:off x="9600156" y="4177430"/>
+            <a:ext cx="2680570" cy="2680570"/>
+          </a:xfrm>
+          <a:prstGeom prst="rect">
+            <a:avLst/>
+          </a:prstGeom>
+        </p:spPr>
+      </p:pic>
+      <p:sp>
+        <p:nvSpPr>
+          <p:cNvPr id="15" name="TextBox 14"/>
+          <p:cNvSpPr txBox="1"/>
+          <p:nvPr/>
+        </p:nvSpPr>
+        <p:spPr>
+          <a:xfrm>
+            <a:off x="2415014" y="3400816"/>
+            <a:ext cx="7649649" cy="954107"/>
+          </a:xfrm>
+          <a:prstGeom prst="rect">
+            <a:avLst/>
+          </a:prstGeom>
+          <a:noFill/>
+        </p:spPr>
+        <p:txBody>
+          <a:bodyPr wrap="square" rtlCol="0">
+            <a:spAutoFit/>
+          </a:bodyPr>
+          <a:lstStyle/>
+          <a:p>
+            <a:r>
+              <a:rPr lang="en-US" sz="2800" b="1" dirty="0">
+                <a:solidFill>
+                  <a:srgbClr val="333533"/>
+                </a:solidFill>
+              </a:rPr>
+              <a:t>Different greenhouse gases </a:t>
+            </a:r>
+            <a:r>
+              <a:rPr lang="en-US" sz="2800" dirty="0">
+                <a:solidFill>
+                  <a:srgbClr val="333533"/>
+                </a:solidFill>
+              </a:rPr>
+              <a:t>are converted to CO</a:t>
+            </a:r>
+            <a:r>
+              <a:rPr lang="en-US" sz="2800" baseline="-25000" dirty="0">
+                <a:solidFill>
+                  <a:srgbClr val="333533"/>
+                </a:solidFill>
+              </a:rPr>
+              <a:t>2</a:t>
+            </a:r>
+            <a:r>
+              <a:rPr lang="en-US" sz="2800" dirty="0">
+                <a:solidFill>
+                  <a:srgbClr val="333533"/>
+                </a:solidFill>
+              </a:rPr>
+              <a:t>e</a:t>
+            </a:r>
+          </a:p>
+          <a:p>
+            <a:r>
+              <a:rPr lang="en-US" sz="2800" dirty="0">
+                <a:solidFill>
+                  <a:srgbClr val="333533"/>
+                </a:solidFill>
+              </a:rPr>
+              <a:t>using </a:t>
+            </a:r>
+            <a:r>
+              <a:rPr lang="en-US" sz="2800" b="1" dirty="0">
+                <a:solidFill>
+                  <a:srgbClr val="333533"/>
+                </a:solidFill>
+              </a:rPr>
+              <a:t>Global Warming Potentials</a:t>
+            </a:r>
+          </a:p>
+        </p:txBody>
+      </p:sp>
+    </p:spTree>
+    <p:extLst>
+      <p:ext uri="{BB962C8B-B14F-4D97-AF65-F5344CB8AC3E}">
+        <p14:creationId xmlns:p14="http://schemas.microsoft.com/office/powerpoint/2010/main" val="3610129050"/>
+      </p:ext>
+    </p:extLst>
+  </p:cSld>
+  <p:clrMapOvr>
+    <a:masterClrMapping/>
+  </p:clrMapOvr>
+</p:sld>
+</file>
+
+<file path=ppt/slides/slide4.xml><?xml version="1.0" encoding="utf-8"?>
+<p:sld xmlns:a="http://schemas.openxmlformats.org/drawingml/2006/main" xmlns:r="http://schemas.openxmlformats.org/officeDocument/2006/relationships" xmlns:p="http://schemas.openxmlformats.org/presentationml/2006/main">
+  <p:cSld>
+    <p:spTree>
+      <p:nvGrpSpPr>
+        <p:cNvPr id="1" name=""/>
+        <p:cNvGrpSpPr/>
+        <p:nvPr/>
+      </p:nvGrpSpPr>
+      <p:grpSpPr>
+        <a:xfrm>
+          <a:off x="0" y="0"/>
+          <a:ext cx="0" cy="0"/>
+          <a:chOff x="0" y="0"/>
+          <a:chExt cx="0" cy="0"/>
+        </a:xfrm>
+      </p:grpSpPr>
+      <p:sp>
+        <p:nvSpPr>
+          <p:cNvPr id="2" name="Title 1"/>
+          <p:cNvSpPr>
+            <a:spLocks noGrp="1"/>
+          </p:cNvSpPr>
+          <p:nvPr>
+            <p:ph type="title"/>
+          </p:nvPr>
+        </p:nvSpPr>
+        <p:spPr/>
+        <p:txBody>
+          <a:bodyPr/>
+          <a:lstStyle/>
+          <a:p>
+            <a:r>
+              <a:rPr lang="en-US" dirty="0">
+                <a:latin typeface="Raleway" panose="020B0503030101060003" pitchFamily="34" charset="0"/>
+              </a:rPr>
+              <a:t>Greenhouse Gases</a:t>
+            </a:r>
+          </a:p>
+        </p:txBody>
+      </p:sp>
+      <p:pic>
+        <p:nvPicPr>
+          <p:cNvPr id="5" name="Picture 4"/>
+          <p:cNvPicPr>
+            <a:picLocks noChangeAspect="1"/>
+          </p:cNvPicPr>
+          <p:nvPr/>
+        </p:nvPicPr>
+        <p:blipFill>
+          <a:blip r:embed="rId2">
+            <a:extLst>
+              <a:ext uri="{28A0092B-C50C-407E-A947-70E740481C1C}">
+                <a14:useLocalDpi xmlns:a14="http://schemas.microsoft.com/office/drawing/2010/main" val="0"/>
+              </a:ext>
+            </a:extLst>
+          </a:blip>
+          <a:stretch>
+            <a:fillRect/>
+          </a:stretch>
+        </p:blipFill>
+        <p:spPr>
+          <a:xfrm>
+            <a:off x="10064663" y="4727479"/>
+            <a:ext cx="2048005" cy="2048005"/>
+          </a:xfrm>
+          <a:prstGeom prst="rect">
+            <a:avLst/>
+          </a:prstGeom>
+        </p:spPr>
+      </p:pic>
+      <p:sp>
+        <p:nvSpPr>
+          <p:cNvPr id="6" name="TextBox 5"/>
+          <p:cNvSpPr txBox="1"/>
+          <p:nvPr/>
+        </p:nvSpPr>
+        <p:spPr>
+          <a:xfrm>
+            <a:off x="894567" y="2683761"/>
+            <a:ext cx="9300879" cy="1200329"/>
+          </a:xfrm>
+          <a:prstGeom prst="rect">
+            <a:avLst/>
+          </a:prstGeom>
+          <a:noFill/>
+        </p:spPr>
+        <p:txBody>
+          <a:bodyPr wrap="none" rtlCol="0">
+            <a:spAutoFit/>
+          </a:bodyPr>
+          <a:lstStyle/>
+          <a:p>
+            <a:r>
+              <a:rPr lang="en-US" sz="2400" b="1" dirty="0">
+                <a:solidFill>
+                  <a:srgbClr val="333533"/>
+                </a:solidFill>
+              </a:rPr>
+              <a:t>Radiative Forcing: </a:t>
+            </a:r>
+            <a:r>
+              <a:rPr lang="en-US" sz="2400" dirty="0">
+                <a:solidFill>
+                  <a:srgbClr val="333533"/>
+                </a:solidFill>
+              </a:rPr>
+              <a:t>The change in net vertical irradiance at the tropopause</a:t>
+            </a:r>
+          </a:p>
+          <a:p>
+            <a:r>
+              <a:rPr lang="en-US" sz="2400" dirty="0">
+                <a:solidFill>
+                  <a:srgbClr val="333533"/>
+                </a:solidFill>
+              </a:rPr>
+              <a:t>                                  due to an internal change or change in the external</a:t>
+            </a:r>
+          </a:p>
+          <a:p>
+            <a:r>
+              <a:rPr lang="en-US" sz="2400" dirty="0">
+                <a:solidFill>
+                  <a:srgbClr val="333533"/>
+                </a:solidFill>
+              </a:rPr>
+              <a:t>                                  forcing of the climate system.</a:t>
+            </a:r>
+          </a:p>
+        </p:txBody>
+      </p:sp>
+      <p:sp>
+        <p:nvSpPr>
+          <p:cNvPr id="7" name="TextBox 6"/>
+          <p:cNvSpPr txBox="1"/>
+          <p:nvPr/>
+        </p:nvSpPr>
+        <p:spPr>
+          <a:xfrm>
+            <a:off x="894567" y="1690688"/>
+            <a:ext cx="9899248" cy="830997"/>
+          </a:xfrm>
+          <a:prstGeom prst="rect">
+            <a:avLst/>
+          </a:prstGeom>
+          <a:noFill/>
+        </p:spPr>
+        <p:txBody>
+          <a:bodyPr wrap="none" rtlCol="0">
+            <a:spAutoFit/>
+          </a:bodyPr>
+          <a:lstStyle/>
+          <a:p>
+            <a:r>
+              <a:rPr lang="en-US" sz="2400" b="1" dirty="0">
+                <a:solidFill>
+                  <a:srgbClr val="333533"/>
+                </a:solidFill>
+              </a:rPr>
+              <a:t>Carbon Footprint: </a:t>
+            </a:r>
+            <a:r>
+              <a:rPr lang="en-US" sz="2400" dirty="0">
+                <a:solidFill>
+                  <a:srgbClr val="333533"/>
+                </a:solidFill>
+              </a:rPr>
+              <a:t>The total amount of greenhouse gases produced to directly</a:t>
+            </a:r>
+          </a:p>
+          <a:p>
+            <a:r>
+              <a:rPr lang="en-US" sz="2400" dirty="0">
+                <a:solidFill>
+                  <a:srgbClr val="333533"/>
+                </a:solidFill>
+              </a:rPr>
+              <a:t>                                  and indirectly support human activities.</a:t>
+            </a:r>
+          </a:p>
+        </p:txBody>
+      </p:sp>
+      <p:sp>
+        <p:nvSpPr>
+          <p:cNvPr id="8" name="TextBox 7"/>
+          <p:cNvSpPr txBox="1"/>
+          <p:nvPr/>
+        </p:nvSpPr>
+        <p:spPr>
+          <a:xfrm>
+            <a:off x="894567" y="4046166"/>
+            <a:ext cx="9197518" cy="1200329"/>
+          </a:xfrm>
+          <a:prstGeom prst="rect">
+            <a:avLst/>
+          </a:prstGeom>
+          <a:noFill/>
+        </p:spPr>
+        <p:txBody>
+          <a:bodyPr wrap="none" rtlCol="0">
+            <a:spAutoFit/>
+          </a:bodyPr>
+          <a:lstStyle/>
+          <a:p>
+            <a:r>
+              <a:rPr lang="en-US" sz="2400" b="1" dirty="0">
+                <a:solidFill>
+                  <a:srgbClr val="333533"/>
+                </a:solidFill>
+              </a:rPr>
+              <a:t>Global Warming Potential: </a:t>
+            </a:r>
+            <a:r>
+              <a:rPr lang="en-US" sz="2400" dirty="0">
+                <a:solidFill>
+                  <a:srgbClr val="333533"/>
+                </a:solidFill>
+              </a:rPr>
+              <a:t>Ratios that compare the amount of infrared</a:t>
+            </a:r>
+          </a:p>
+          <a:p>
+            <a:r>
+              <a:rPr lang="en-US" sz="2400" dirty="0">
+                <a:solidFill>
+                  <a:srgbClr val="333533"/>
+                </a:solidFill>
+              </a:rPr>
+              <a:t>                                                  energy absorbed by 1 ton of a given gas over</a:t>
+            </a:r>
+          </a:p>
+          <a:p>
+            <a:r>
+              <a:rPr lang="en-US" sz="2400" dirty="0">
+                <a:solidFill>
+                  <a:srgbClr val="333533"/>
+                </a:solidFill>
+              </a:rPr>
+              <a:t>                                                  a period of time.</a:t>
+            </a:r>
+          </a:p>
+        </p:txBody>
+      </p:sp>
+      <p:sp>
+        <p:nvSpPr>
+          <p:cNvPr id="9" name="TextBox 8"/>
+          <p:cNvSpPr txBox="1"/>
+          <p:nvPr/>
+        </p:nvSpPr>
+        <p:spPr>
+          <a:xfrm>
+            <a:off x="894567" y="5824603"/>
+            <a:ext cx="6776663" cy="461665"/>
+          </a:xfrm>
+          <a:prstGeom prst="rect">
+            <a:avLst/>
+          </a:prstGeom>
+          <a:noFill/>
+        </p:spPr>
+        <p:txBody>
+          <a:bodyPr wrap="none" rtlCol="0">
+            <a:spAutoFit/>
+          </a:bodyPr>
+          <a:lstStyle/>
+          <a:p>
+            <a:r>
+              <a:rPr lang="en-US" sz="2400" dirty="0">
+                <a:solidFill>
+                  <a:srgbClr val="333533"/>
+                </a:solidFill>
+              </a:rPr>
+              <a:t>CO</a:t>
+            </a:r>
+            <a:r>
+              <a:rPr lang="en-US" sz="2400" baseline="-25000" dirty="0">
+                <a:solidFill>
+                  <a:srgbClr val="333533"/>
+                </a:solidFill>
+              </a:rPr>
+              <a:t>2</a:t>
+            </a:r>
+            <a:r>
+              <a:rPr lang="en-US" sz="2400" dirty="0">
+                <a:solidFill>
+                  <a:srgbClr val="333533"/>
+                </a:solidFill>
+              </a:rPr>
+              <a:t>e expresses the RF of all GHGs as </a:t>
+            </a:r>
+            <a:r>
+              <a:rPr lang="en-US" sz="2400" b="1" dirty="0">
+                <a:solidFill>
+                  <a:srgbClr val="333533"/>
+                </a:solidFill>
+              </a:rPr>
+              <a:t>a common unit</a:t>
+            </a:r>
+            <a:r>
+              <a:rPr lang="en-US" sz="2400" dirty="0">
+                <a:solidFill>
+                  <a:srgbClr val="333533"/>
+                </a:solidFill>
+              </a:rPr>
+              <a:t>.</a:t>
+            </a:r>
+          </a:p>
+        </p:txBody>
+      </p:sp>
+    </p:spTree>
+    <p:extLst>
+      <p:ext uri="{BB962C8B-B14F-4D97-AF65-F5344CB8AC3E}">
+        <p14:creationId xmlns:p14="http://schemas.microsoft.com/office/powerpoint/2010/main" val="4275022648"/>
+      </p:ext>
+    </p:extLst>
+  </p:cSld>
+  <p:clrMapOvr>
+    <a:masterClrMapping/>
+  </p:clrMapOvr>
+</p:sld>
+</file>
+
+<file path=ppt/slides/slide5.xml><?xml version="1.0" encoding="utf-8"?>
+<p:sld xmlns:a="http://schemas.openxmlformats.org/drawingml/2006/main" xmlns:r="http://schemas.openxmlformats.org/officeDocument/2006/relationships" xmlns:p="http://schemas.openxmlformats.org/presentationml/2006/main">
+  <p:cSld>
+    <p:spTree>
+      <p:nvGrpSpPr>
+        <p:cNvPr id="1" name=""/>
+        <p:cNvGrpSpPr/>
+        <p:nvPr/>
+      </p:nvGrpSpPr>
+      <p:grpSpPr>
+        <a:xfrm>
+          <a:off x="0" y="0"/>
+          <a:ext cx="0" cy="0"/>
+          <a:chOff x="0" y="0"/>
+          <a:chExt cx="0" cy="0"/>
+        </a:xfrm>
+      </p:grpSpPr>
+      <p:pic>
+        <p:nvPicPr>
+          <p:cNvPr id="5" name="Picture 4"/>
+          <p:cNvPicPr>
+            <a:picLocks noChangeAspect="1"/>
+          </p:cNvPicPr>
+          <p:nvPr/>
+        </p:nvPicPr>
+        <p:blipFill>
+          <a:blip r:embed="rId2">
+            <a:extLst>
+              <a:ext uri="{28A0092B-C50C-407E-A947-70E740481C1C}">
+                <a14:useLocalDpi xmlns:a14="http://schemas.microsoft.com/office/drawing/2010/main" val="0"/>
+              </a:ext>
+            </a:extLst>
+          </a:blip>
+          <a:stretch>
+            <a:fillRect/>
+          </a:stretch>
+        </p:blipFill>
+        <p:spPr>
+          <a:xfrm>
+            <a:off x="4280856" y="793315"/>
+            <a:ext cx="3466492" cy="5394541"/>
+          </a:xfrm>
+          <a:prstGeom prst="rect">
+            <a:avLst/>
+          </a:prstGeom>
+        </p:spPr>
+      </p:pic>
+    </p:spTree>
+    <p:extLst>
+      <p:ext uri="{BB962C8B-B14F-4D97-AF65-F5344CB8AC3E}">
+        <p14:creationId xmlns:p14="http://schemas.microsoft.com/office/powerpoint/2010/main" val="1259517484"/>
+      </p:ext>
+    </p:extLst>
+  </p:cSld>
+  <p:clrMapOvr>
+    <a:masterClrMapping/>
+  </p:clrMapOvr>
+</p:sld>
+</file>
+
+<file path=ppt/slides/slide6.xml><?xml version="1.0" encoding="utf-8"?>
+<p:sld xmlns:a="http://schemas.openxmlformats.org/drawingml/2006/main" xmlns:r="http://schemas.openxmlformats.org/officeDocument/2006/relationships" xmlns:p="http://schemas.openxmlformats.org/presentationml/2006/main">
+  <p:cSld>
+    <p:spTree>
+      <p:nvGrpSpPr>
+        <p:cNvPr id="1" name=""/>
+        <p:cNvGrpSpPr/>
+        <p:nvPr/>
+      </p:nvGrpSpPr>
+      <p:grpSpPr>
+        <a:xfrm>
+          <a:off x="0" y="0"/>
+          <a:ext cx="0" cy="0"/>
+          <a:chOff x="0" y="0"/>
+          <a:chExt cx="0" cy="0"/>
+        </a:xfrm>
+      </p:grpSpPr>
+      <p:sp>
+        <p:nvSpPr>
+          <p:cNvPr id="2" name="Title 1"/>
+          <p:cNvSpPr>
+            <a:spLocks noGrp="1"/>
+          </p:cNvSpPr>
+          <p:nvPr>
+            <p:ph type="title"/>
+          </p:nvPr>
+        </p:nvSpPr>
+        <p:spPr/>
+        <p:txBody>
+          <a:bodyPr/>
+          <a:lstStyle/>
+          <a:p>
+            <a:r>
+              <a:rPr lang="en-US" dirty="0">
+                <a:latin typeface="Raleway" panose="020B0503030101060003" pitchFamily="34" charset="0"/>
+              </a:rPr>
+              <a:t>Measuring Methodologies</a:t>
+            </a:r>
+          </a:p>
+        </p:txBody>
+      </p:sp>
+      <p:pic>
+        <p:nvPicPr>
+          <p:cNvPr id="7" name="Picture 6"/>
+          <p:cNvPicPr>
+            <a:picLocks noChangeAspect="1"/>
+          </p:cNvPicPr>
+          <p:nvPr/>
+        </p:nvPicPr>
+        <p:blipFill>
+          <a:blip r:embed="rId2">
+            <a:extLst>
+              <a:ext uri="{28A0092B-C50C-407E-A947-70E740481C1C}">
+                <a14:useLocalDpi xmlns:a14="http://schemas.microsoft.com/office/drawing/2010/main" val="0"/>
+              </a:ext>
+            </a:extLst>
+          </a:blip>
+          <a:stretch>
+            <a:fillRect/>
+          </a:stretch>
+        </p:blipFill>
+        <p:spPr>
+          <a:xfrm>
+            <a:off x="760139" y="2321711"/>
+            <a:ext cx="1059817" cy="1059817"/>
+          </a:xfrm>
+          <a:prstGeom prst="rect">
+            <a:avLst/>
+          </a:prstGeom>
+        </p:spPr>
+      </p:pic>
+      <p:pic>
+        <p:nvPicPr>
+          <p:cNvPr id="9" name="Picture 8"/>
+          <p:cNvPicPr>
+            <a:picLocks noChangeAspect="1"/>
+          </p:cNvPicPr>
+          <p:nvPr/>
+        </p:nvPicPr>
+        <p:blipFill>
+          <a:blip r:embed="rId3">
+            <a:extLst>
+              <a:ext uri="{28A0092B-C50C-407E-A947-70E740481C1C}">
+                <a14:useLocalDpi xmlns:a14="http://schemas.microsoft.com/office/drawing/2010/main" val="0"/>
+              </a:ext>
+            </a:extLst>
+          </a:blip>
+          <a:stretch>
+            <a:fillRect/>
+          </a:stretch>
+        </p:blipFill>
+        <p:spPr>
+          <a:xfrm>
+            <a:off x="2749331" y="2183622"/>
+            <a:ext cx="1345748" cy="1345748"/>
+          </a:xfrm>
+          <a:prstGeom prst="rect">
+            <a:avLst/>
+          </a:prstGeom>
+        </p:spPr>
+      </p:pic>
+      <p:pic>
+        <p:nvPicPr>
+          <p:cNvPr id="11" name="Picture 10"/>
+          <p:cNvPicPr>
+            <a:picLocks noChangeAspect="1"/>
+          </p:cNvPicPr>
+          <p:nvPr/>
+        </p:nvPicPr>
+        <p:blipFill>
+          <a:blip r:embed="rId4">
+            <a:extLst>
+              <a:ext uri="{28A0092B-C50C-407E-A947-70E740481C1C}">
+                <a14:useLocalDpi xmlns:a14="http://schemas.microsoft.com/office/drawing/2010/main" val="0"/>
+              </a:ext>
+            </a:extLst>
+          </a:blip>
+          <a:stretch>
+            <a:fillRect/>
+          </a:stretch>
+        </p:blipFill>
+        <p:spPr>
+          <a:xfrm>
+            <a:off x="1996836" y="2635463"/>
+            <a:ext cx="521741" cy="521741"/>
+          </a:xfrm>
+          <a:prstGeom prst="rect">
+            <a:avLst/>
+          </a:prstGeom>
+        </p:spPr>
+      </p:pic>
+      <p:pic>
+        <p:nvPicPr>
+          <p:cNvPr id="13" name="Picture 12"/>
+          <p:cNvPicPr>
+            <a:picLocks noChangeAspect="1"/>
+          </p:cNvPicPr>
+          <p:nvPr/>
+        </p:nvPicPr>
+        <p:blipFill>
+          <a:blip r:embed="rId5">
+            <a:extLst>
+              <a:ext uri="{28A0092B-C50C-407E-A947-70E740481C1C}">
+                <a14:useLocalDpi xmlns:a14="http://schemas.microsoft.com/office/drawing/2010/main" val="0"/>
+              </a:ext>
+            </a:extLst>
+          </a:blip>
+          <a:stretch>
+            <a:fillRect/>
+          </a:stretch>
+        </p:blipFill>
+        <p:spPr>
+          <a:xfrm>
+            <a:off x="1719358" y="4235227"/>
+            <a:ext cx="1591849" cy="1591849"/>
+          </a:xfrm>
+          <a:prstGeom prst="rect">
+            <a:avLst/>
+          </a:prstGeom>
+        </p:spPr>
+      </p:pic>
+      <p:sp>
+        <p:nvSpPr>
+          <p:cNvPr id="14" name="TextBox 13"/>
+          <p:cNvSpPr txBox="1"/>
+          <p:nvPr/>
+        </p:nvSpPr>
+        <p:spPr>
+          <a:xfrm>
+            <a:off x="4528160" y="2550531"/>
+            <a:ext cx="6423874" cy="830997"/>
+          </a:xfrm>
+          <a:prstGeom prst="rect">
+            <a:avLst/>
+          </a:prstGeom>
+          <a:noFill/>
+        </p:spPr>
+        <p:txBody>
+          <a:bodyPr wrap="none" rtlCol="0">
+            <a:spAutoFit/>
+          </a:bodyPr>
+          <a:lstStyle/>
+          <a:p>
+            <a:r>
+              <a:rPr lang="en-US" sz="2400" b="1" dirty="0">
+                <a:solidFill>
+                  <a:srgbClr val="333533"/>
+                </a:solidFill>
+              </a:rPr>
+              <a:t>Process Analysis</a:t>
+            </a:r>
+            <a:r>
+              <a:rPr lang="en-US" sz="2400" dirty="0">
+                <a:solidFill>
+                  <a:srgbClr val="333533"/>
+                </a:solidFill>
+              </a:rPr>
+              <a:t>: Calculates </a:t>
+            </a:r>
+            <a:r>
+              <a:rPr lang="en-US" sz="2400" b="1" dirty="0">
+                <a:solidFill>
+                  <a:srgbClr val="333533"/>
+                </a:solidFill>
+              </a:rPr>
+              <a:t>all stages </a:t>
+            </a:r>
+            <a:r>
+              <a:rPr lang="en-US" sz="2400" dirty="0">
+                <a:solidFill>
+                  <a:srgbClr val="333533"/>
+                </a:solidFill>
+              </a:rPr>
+              <a:t>in life cycle </a:t>
+            </a:r>
+          </a:p>
+          <a:p>
+            <a:r>
+              <a:rPr lang="en-US" sz="2400" dirty="0">
+                <a:solidFill>
+                  <a:srgbClr val="333533"/>
+                </a:solidFill>
+              </a:rPr>
+              <a:t>                                and totals carbon emissions.</a:t>
+            </a:r>
+          </a:p>
+        </p:txBody>
+      </p:sp>
+      <p:sp>
+        <p:nvSpPr>
+          <p:cNvPr id="15" name="TextBox 14"/>
+          <p:cNvSpPr txBox="1"/>
+          <p:nvPr/>
+        </p:nvSpPr>
+        <p:spPr>
+          <a:xfrm>
+            <a:off x="4528160" y="4856305"/>
+            <a:ext cx="7174080" cy="830997"/>
+          </a:xfrm>
+          <a:prstGeom prst="rect">
+            <a:avLst/>
+          </a:prstGeom>
+          <a:noFill/>
+        </p:spPr>
+        <p:txBody>
+          <a:bodyPr wrap="none" rtlCol="0">
+            <a:spAutoFit/>
+          </a:bodyPr>
+          <a:lstStyle/>
+          <a:p>
+            <a:r>
+              <a:rPr lang="en-US" sz="2400" b="1" dirty="0">
+                <a:solidFill>
+                  <a:srgbClr val="333533"/>
+                </a:solidFill>
+              </a:rPr>
+              <a:t>Input-Output</a:t>
+            </a:r>
+            <a:r>
+              <a:rPr lang="en-US" sz="2400" dirty="0">
+                <a:solidFill>
+                  <a:srgbClr val="333533"/>
+                </a:solidFill>
+              </a:rPr>
+              <a:t>: Employs </a:t>
+            </a:r>
+            <a:r>
+              <a:rPr lang="en-US" sz="2400" b="1" dirty="0">
+                <a:solidFill>
+                  <a:srgbClr val="333533"/>
+                </a:solidFill>
+              </a:rPr>
+              <a:t>economic modelling </a:t>
+            </a:r>
+            <a:r>
+              <a:rPr lang="en-US" sz="2400" dirty="0">
+                <a:solidFill>
+                  <a:srgbClr val="333533"/>
+                </a:solidFill>
+              </a:rPr>
+              <a:t>to calculate</a:t>
+            </a:r>
+          </a:p>
+          <a:p>
+            <a:r>
+              <a:rPr lang="en-US" sz="2400" dirty="0">
+                <a:solidFill>
+                  <a:srgbClr val="333533"/>
+                </a:solidFill>
+              </a:rPr>
+              <a:t>                           the carbon footprint.</a:t>
+            </a:r>
+          </a:p>
+        </p:txBody>
+      </p:sp>
+    </p:spTree>
+    <p:extLst>
+      <p:ext uri="{BB962C8B-B14F-4D97-AF65-F5344CB8AC3E}">
+        <p14:creationId xmlns:p14="http://schemas.microsoft.com/office/powerpoint/2010/main" val="902374685"/>
+      </p:ext>
+    </p:extLst>
+  </p:cSld>
+  <p:clrMapOvr>
+    <a:masterClrMapping/>
+  </p:clrMapOvr>
+</p:sld>
+</file>
+
+<file path=ppt/slides/slide7.xml><?xml version="1.0" encoding="utf-8"?>
+<p:sld xmlns:a="http://schemas.openxmlformats.org/drawingml/2006/main" xmlns:r="http://schemas.openxmlformats.org/officeDocument/2006/relationships" xmlns:p="http://schemas.openxmlformats.org/presentationml/2006/main">
+  <p:cSld>
+    <p:spTree>
+      <p:nvGrpSpPr>
+        <p:cNvPr id="1" name=""/>
+        <p:cNvGrpSpPr/>
+        <p:nvPr/>
+      </p:nvGrpSpPr>
+      <p:grpSpPr>
+        <a:xfrm>
+          <a:off x="0" y="0"/>
+          <a:ext cx="0" cy="0"/>
+          <a:chOff x="0" y="0"/>
+          <a:chExt cx="0" cy="0"/>
+        </a:xfrm>
+      </p:grpSpPr>
+      <p:sp>
+        <p:nvSpPr>
+          <p:cNvPr id="2" name="Title 1"/>
+          <p:cNvSpPr>
+            <a:spLocks noGrp="1"/>
+          </p:cNvSpPr>
+          <p:nvPr>
+            <p:ph type="title"/>
+          </p:nvPr>
+        </p:nvSpPr>
+        <p:spPr/>
+        <p:txBody>
+          <a:bodyPr/>
+          <a:lstStyle/>
+          <a:p>
+            <a:r>
+              <a:rPr lang="en-US" dirty="0">
+                <a:latin typeface="Raleway" panose="020B0503030101060003" pitchFamily="34" charset="0"/>
+              </a:rPr>
+              <a:t>City Assessment</a:t>
+            </a:r>
+          </a:p>
+        </p:txBody>
+      </p:sp>
+      <p:pic>
+        <p:nvPicPr>
+          <p:cNvPr id="13" name="Picture 12"/>
+          <p:cNvPicPr>
+            <a:picLocks noChangeAspect="1"/>
+          </p:cNvPicPr>
+          <p:nvPr/>
+        </p:nvPicPr>
+        <p:blipFill rotWithShape="1">
+          <a:blip r:embed="rId2">
+            <a:extLst>
+              <a:ext uri="{28A0092B-C50C-407E-A947-70E740481C1C}">
+                <a14:useLocalDpi xmlns:a14="http://schemas.microsoft.com/office/drawing/2010/main" val="0"/>
+              </a:ext>
+            </a:extLst>
+          </a:blip>
+          <a:srcRect t="-457" r="699" b="6119"/>
+          <a:stretch/>
+        </p:blipFill>
+        <p:spPr>
+          <a:xfrm>
+            <a:off x="280793" y="1631984"/>
+            <a:ext cx="7566764" cy="5006811"/>
+          </a:xfrm>
+          <a:prstGeom prst="rect">
+            <a:avLst/>
+          </a:prstGeom>
+        </p:spPr>
+      </p:pic>
+      <p:sp>
+        <p:nvSpPr>
+          <p:cNvPr id="14" name="TextBox 13"/>
+          <p:cNvSpPr txBox="1"/>
+          <p:nvPr/>
+        </p:nvSpPr>
+        <p:spPr>
+          <a:xfrm>
+            <a:off x="7989727" y="1631984"/>
+            <a:ext cx="3972629" cy="4524315"/>
+          </a:xfrm>
+          <a:prstGeom prst="rect">
+            <a:avLst/>
+          </a:prstGeom>
+          <a:noFill/>
+        </p:spPr>
+        <p:txBody>
+          <a:bodyPr wrap="square" rtlCol="0">
+            <a:spAutoFit/>
+          </a:bodyPr>
+          <a:lstStyle/>
+          <a:p>
+            <a:pPr>
+              <a:lnSpc>
+                <a:spcPct val="150000"/>
+              </a:lnSpc>
+            </a:pPr>
+            <a:r>
+              <a:rPr lang="en-US" sz="2400" b="1" dirty="0">
+                <a:solidFill>
+                  <a:srgbClr val="242423"/>
+                </a:solidFill>
+              </a:rPr>
+              <a:t>Sectors</a:t>
+            </a:r>
+            <a:r>
+              <a:rPr lang="en-US" sz="2400" dirty="0">
+                <a:solidFill>
+                  <a:srgbClr val="242423"/>
+                </a:solidFill>
+              </a:rPr>
+              <a:t>:</a:t>
+            </a:r>
+          </a:p>
+          <a:p>
+            <a:pPr marL="285750" indent="-285750">
+              <a:lnSpc>
+                <a:spcPct val="150000"/>
+              </a:lnSpc>
+              <a:buFont typeface="Arial" panose="020B0604020202020204" pitchFamily="34" charset="0"/>
+              <a:buChar char="•"/>
+            </a:pPr>
+            <a:r>
+              <a:rPr lang="en-US" sz="2400" dirty="0">
+                <a:solidFill>
+                  <a:srgbClr val="242423"/>
+                </a:solidFill>
+              </a:rPr>
+              <a:t>Stationary Energy</a:t>
+            </a:r>
+          </a:p>
+          <a:p>
+            <a:pPr marL="285750" indent="-285750">
+              <a:lnSpc>
+                <a:spcPct val="150000"/>
+              </a:lnSpc>
+              <a:buFont typeface="Arial" panose="020B0604020202020204" pitchFamily="34" charset="0"/>
+              <a:buChar char="•"/>
+            </a:pPr>
+            <a:r>
+              <a:rPr lang="en-US" sz="2400" dirty="0">
+                <a:solidFill>
+                  <a:srgbClr val="242423"/>
+                </a:solidFill>
+              </a:rPr>
+              <a:t>Transportation</a:t>
+            </a:r>
+          </a:p>
+          <a:p>
+            <a:pPr marL="285750" indent="-285750">
+              <a:lnSpc>
+                <a:spcPct val="150000"/>
+              </a:lnSpc>
+              <a:buFont typeface="Arial" panose="020B0604020202020204" pitchFamily="34" charset="0"/>
+              <a:buChar char="•"/>
+            </a:pPr>
+            <a:r>
+              <a:rPr lang="en-US" sz="2400" dirty="0">
+                <a:solidFill>
+                  <a:srgbClr val="242423"/>
+                </a:solidFill>
+              </a:rPr>
+              <a:t>Waste</a:t>
+            </a:r>
+          </a:p>
+          <a:p>
+            <a:pPr marL="285750" indent="-285750">
+              <a:lnSpc>
+                <a:spcPct val="150000"/>
+              </a:lnSpc>
+              <a:buFont typeface="Arial" panose="020B0604020202020204" pitchFamily="34" charset="0"/>
+              <a:buChar char="•"/>
+            </a:pPr>
+            <a:r>
+              <a:rPr lang="en-US" sz="2400" dirty="0">
+                <a:solidFill>
+                  <a:srgbClr val="242423"/>
+                </a:solidFill>
+              </a:rPr>
+              <a:t>Industrial Processes and Product Use (IPPC)</a:t>
+            </a:r>
+          </a:p>
+          <a:p>
+            <a:pPr marL="285750" indent="-285750">
+              <a:lnSpc>
+                <a:spcPct val="150000"/>
+              </a:lnSpc>
+              <a:buFont typeface="Arial" panose="020B0604020202020204" pitchFamily="34" charset="0"/>
+              <a:buChar char="•"/>
+            </a:pPr>
+            <a:r>
+              <a:rPr lang="en-US" sz="2400" dirty="0">
+                <a:solidFill>
+                  <a:srgbClr val="242423"/>
+                </a:solidFill>
+              </a:rPr>
+              <a:t>Agriculture, Forestry, and Other Land Use (AFOLU)</a:t>
+            </a:r>
+          </a:p>
+        </p:txBody>
+      </p:sp>
+    </p:spTree>
+    <p:extLst>
+      <p:ext uri="{BB962C8B-B14F-4D97-AF65-F5344CB8AC3E}">
+        <p14:creationId xmlns:p14="http://schemas.microsoft.com/office/powerpoint/2010/main" val="219162801"/>
+      </p:ext>
+    </p:extLst>
+  </p:cSld>
+  <p:clrMapOvr>
+    <a:masterClrMapping/>
+  </p:clrMapOvr>
+</p:sld>
+</file>
+
+<file path=ppt/slides/slide8.xml><?xml version="1.0" encoding="utf-8"?>
+<p:sld xmlns:a="http://schemas.openxmlformats.org/drawingml/2006/main" xmlns:r="http://schemas.openxmlformats.org/officeDocument/2006/relationships" xmlns:p="http://schemas.openxmlformats.org/presentationml/2006/main">
+  <p:cSld>
+    <p:spTree>
+      <p:nvGrpSpPr>
+        <p:cNvPr id="1" name=""/>
+        <p:cNvGrpSpPr/>
+        <p:nvPr/>
+      </p:nvGrpSpPr>
+      <p:grpSpPr>
+        <a:xfrm>
+          <a:off x="0" y="0"/>
+          <a:ext cx="0" cy="0"/>
+          <a:chOff x="0" y="0"/>
+          <a:chExt cx="0" cy="0"/>
+        </a:xfrm>
+      </p:grpSpPr>
+      <p:sp>
+        <p:nvSpPr>
+          <p:cNvPr id="2" name="Title 1"/>
+          <p:cNvSpPr>
+            <a:spLocks noGrp="1"/>
+          </p:cNvSpPr>
+          <p:nvPr>
+            <p:ph type="title"/>
+          </p:nvPr>
+        </p:nvSpPr>
+        <p:spPr>
+          <a:xfrm>
+            <a:off x="863251" y="1987571"/>
+            <a:ext cx="10515600" cy="1325563"/>
+          </a:xfrm>
+        </p:spPr>
+        <p:txBody>
+          <a:bodyPr/>
+          <a:lstStyle/>
+          <a:p>
+            <a:pPr algn="ctr"/>
+            <a:r>
+              <a:rPr lang="en-US" dirty="0">
+                <a:latin typeface="Raleway" panose="020B0503030101060003" pitchFamily="34" charset="0"/>
+              </a:rPr>
+              <a:t>Conclusion:</a:t>
+            </a:r>
+          </a:p>
+        </p:txBody>
+      </p:sp>
+      <p:sp>
+        <p:nvSpPr>
+          <p:cNvPr id="4" name="TextBox 3"/>
+          <p:cNvSpPr txBox="1"/>
+          <p:nvPr/>
+        </p:nvSpPr>
+        <p:spPr>
+          <a:xfrm>
+            <a:off x="4803222" y="3313134"/>
+            <a:ext cx="2635658" cy="523220"/>
+          </a:xfrm>
+          <a:prstGeom prst="rect">
+            <a:avLst/>
+          </a:prstGeom>
+          <a:noFill/>
+        </p:spPr>
+        <p:txBody>
+          <a:bodyPr wrap="none" rtlCol="0">
+            <a:spAutoFit/>
+          </a:bodyPr>
+          <a:lstStyle/>
+          <a:p>
+            <a:r>
+              <a:rPr lang="en-US" sz="2800" dirty="0">
+                <a:latin typeface="Raleway" panose="020B0503030101060003" pitchFamily="34" charset="0"/>
+              </a:rPr>
+              <a:t>It’s pretty hard.</a:t>
+            </a:r>
+          </a:p>
+        </p:txBody>
+      </p:sp>
+    </p:spTree>
+    <p:extLst>
+      <p:ext uri="{BB962C8B-B14F-4D97-AF65-F5344CB8AC3E}">
+        <p14:creationId xmlns:p14="http://schemas.microsoft.com/office/powerpoint/2010/main" val="1536627432"/>
       </p:ext>
     </p:extLst>
   </p:cSld>

--- a/Presentation/Project_Walkthrough.pptx
+++ b/Presentation/Project_Walkthrough.pptx
@@ -5,17 +5,18 @@
     <p:sldMasterId id="2147483648" r:id="rId1"/>
   </p:sldMasterIdLst>
   <p:notesMasterIdLst>
-    <p:notesMasterId r:id="rId10"/>
+    <p:notesMasterId r:id="rId11"/>
   </p:notesMasterIdLst>
   <p:sldIdLst>
     <p:sldId id="256" r:id="rId2"/>
     <p:sldId id="257" r:id="rId3"/>
     <p:sldId id="258" r:id="rId4"/>
     <p:sldId id="259" r:id="rId5"/>
-    <p:sldId id="260" r:id="rId6"/>
-    <p:sldId id="261" r:id="rId7"/>
-    <p:sldId id="262" r:id="rId8"/>
-    <p:sldId id="263" r:id="rId9"/>
+    <p:sldId id="264" r:id="rId6"/>
+    <p:sldId id="260" r:id="rId7"/>
+    <p:sldId id="261" r:id="rId8"/>
+    <p:sldId id="262" r:id="rId9"/>
+    <p:sldId id="263" r:id="rId10"/>
   </p:sldIdLst>
   <p:sldSz cx="12192000" cy="6858000"/>
   <p:notesSz cx="6858000" cy="9144000"/>
@@ -122,6 +123,10 @@
 </p:presentation>
 </file>
 
+<file path=ppt/revisionInfo.xml><?xml version="1.0" encoding="utf-8"?>
+<p1510:revInfo xmlns:a="http://schemas.openxmlformats.org/drawingml/2006/main" xmlns:r="http://schemas.openxmlformats.org/officeDocument/2006/relationships" xmlns:p1510="http://schemas.microsoft.com/office/powerpoint/2015/10/main"/>
+</file>
+
 <file path=ppt/notesMasters/notesMaster1.xml><?xml version="1.0" encoding="utf-8"?>
 <p:notesMaster xmlns:a="http://schemas.openxmlformats.org/drawingml/2006/main" xmlns:r="http://schemas.openxmlformats.org/officeDocument/2006/relationships" xmlns:p="http://schemas.openxmlformats.org/presentationml/2006/main">
   <p:cSld>
@@ -204,7 +209,7 @@
           <a:p>
             <a:fld id="{BDCAE6AE-1621-4B16-9D5B-347BA6F7222C}" type="datetimeFigureOut">
               <a:rPr lang="en-US" smtClean="0"/>
-              <a:t>4/24/2017</a:t>
+              <a:t>4/28/2017</a:t>
             </a:fld>
             <a:endParaRPr lang="en-US"/>
           </a:p>
@@ -768,7 +773,7 @@
           <a:p>
             <a:fld id="{623EAE79-5792-450F-941D-3F623B3D1B8D}" type="datetimeFigureOut">
               <a:rPr lang="en-US" smtClean="0"/>
-              <a:t>4/24/2017</a:t>
+              <a:t>4/28/2017</a:t>
             </a:fld>
             <a:endParaRPr lang="en-US"/>
           </a:p>
@@ -936,7 +941,7 @@
           <a:p>
             <a:fld id="{623EAE79-5792-450F-941D-3F623B3D1B8D}" type="datetimeFigureOut">
               <a:rPr lang="en-US" smtClean="0"/>
-              <a:t>4/24/2017</a:t>
+              <a:t>4/28/2017</a:t>
             </a:fld>
             <a:endParaRPr lang="en-US"/>
           </a:p>
@@ -1114,7 +1119,7 @@
           <a:p>
             <a:fld id="{623EAE79-5792-450F-941D-3F623B3D1B8D}" type="datetimeFigureOut">
               <a:rPr lang="en-US" smtClean="0"/>
-              <a:t>4/24/2017</a:t>
+              <a:t>4/28/2017</a:t>
             </a:fld>
             <a:endParaRPr lang="en-US"/>
           </a:p>
@@ -1282,7 +1287,7 @@
           <a:p>
             <a:fld id="{623EAE79-5792-450F-941D-3F623B3D1B8D}" type="datetimeFigureOut">
               <a:rPr lang="en-US" smtClean="0"/>
-              <a:t>4/24/2017</a:t>
+              <a:t>4/28/2017</a:t>
             </a:fld>
             <a:endParaRPr lang="en-US"/>
           </a:p>
@@ -1527,7 +1532,7 @@
           <a:p>
             <a:fld id="{623EAE79-5792-450F-941D-3F623B3D1B8D}" type="datetimeFigureOut">
               <a:rPr lang="en-US" smtClean="0"/>
-              <a:t>4/24/2017</a:t>
+              <a:t>4/28/2017</a:t>
             </a:fld>
             <a:endParaRPr lang="en-US"/>
           </a:p>
@@ -1756,7 +1761,7 @@
           <a:p>
             <a:fld id="{623EAE79-5792-450F-941D-3F623B3D1B8D}" type="datetimeFigureOut">
               <a:rPr lang="en-US" smtClean="0"/>
-              <a:t>4/24/2017</a:t>
+              <a:t>4/28/2017</a:t>
             </a:fld>
             <a:endParaRPr lang="en-US"/>
           </a:p>
@@ -2120,7 +2125,7 @@
           <a:p>
             <a:fld id="{623EAE79-5792-450F-941D-3F623B3D1B8D}" type="datetimeFigureOut">
               <a:rPr lang="en-US" smtClean="0"/>
-              <a:t>4/24/2017</a:t>
+              <a:t>4/28/2017</a:t>
             </a:fld>
             <a:endParaRPr lang="en-US"/>
           </a:p>
@@ -2237,7 +2242,7 @@
           <a:p>
             <a:fld id="{623EAE79-5792-450F-941D-3F623B3D1B8D}" type="datetimeFigureOut">
               <a:rPr lang="en-US" smtClean="0"/>
-              <a:t>4/24/2017</a:t>
+              <a:t>4/28/2017</a:t>
             </a:fld>
             <a:endParaRPr lang="en-US"/>
           </a:p>
@@ -2332,7 +2337,7 @@
           <a:p>
             <a:fld id="{623EAE79-5792-450F-941D-3F623B3D1B8D}" type="datetimeFigureOut">
               <a:rPr lang="en-US" smtClean="0"/>
-              <a:t>4/24/2017</a:t>
+              <a:t>4/28/2017</a:t>
             </a:fld>
             <a:endParaRPr lang="en-US"/>
           </a:p>
@@ -2607,7 +2612,7 @@
           <a:p>
             <a:fld id="{623EAE79-5792-450F-941D-3F623B3D1B8D}" type="datetimeFigureOut">
               <a:rPr lang="en-US" smtClean="0"/>
-              <a:t>4/24/2017</a:t>
+              <a:t>4/28/2017</a:t>
             </a:fld>
             <a:endParaRPr lang="en-US"/>
           </a:p>
@@ -2859,7 +2864,7 @@
           <a:p>
             <a:fld id="{623EAE79-5792-450F-941D-3F623B3D1B8D}" type="datetimeFigureOut">
               <a:rPr lang="en-US" smtClean="0"/>
-              <a:t>4/24/2017</a:t>
+              <a:t>4/28/2017</a:t>
             </a:fld>
             <a:endParaRPr lang="en-US"/>
           </a:p>
@@ -3073,7 +3078,7 @@
           <a:p>
             <a:fld id="{623EAE79-5792-450F-941D-3F623B3D1B8D}" type="datetimeFigureOut">
               <a:rPr lang="en-US" smtClean="0"/>
-              <a:t>4/24/2017</a:t>
+              <a:t>4/28/2017</a:t>
             </a:fld>
             <a:endParaRPr lang="en-US"/>
           </a:p>
@@ -3609,7 +3614,7 @@
         <p:spPr>
           <a:xfrm>
             <a:off x="838200" y="1835063"/>
-            <a:ext cx="9313832" cy="523220"/>
+            <a:ext cx="9131987" cy="523220"/>
           </a:xfrm>
           <a:prstGeom prst="rect">
             <a:avLst/>
@@ -3640,7 +3645,7 @@
                 <a:latin typeface="Calibri" panose="020F0502020204030204" pitchFamily="34" charset="0"/>
                 <a:cs typeface="Calibri" panose="020F0502020204030204" pitchFamily="34" charset="0"/>
               </a:rPr>
-              <a:t>algorithm</a:t>
+              <a:t>program</a:t>
             </a:r>
             <a:r>
               <a:rPr lang="en-US" sz="2800" dirty="0">
@@ -4315,6 +4320,90 @@
           <a:chExt cx="0" cy="0"/>
         </a:xfrm>
       </p:grpSpPr>
+      <p:sp>
+        <p:nvSpPr>
+          <p:cNvPr id="2" name="Title 1"/>
+          <p:cNvSpPr>
+            <a:spLocks noGrp="1"/>
+          </p:cNvSpPr>
+          <p:nvPr>
+            <p:ph type="title"/>
+          </p:nvPr>
+        </p:nvSpPr>
+        <p:spPr/>
+        <p:txBody>
+          <a:bodyPr/>
+          <a:lstStyle/>
+          <a:p>
+            <a:r>
+              <a:rPr lang="en-US" dirty="0">
+                <a:latin typeface="Raleway" panose="020B0503030101060003" pitchFamily="34" charset="0"/>
+              </a:rPr>
+              <a:t>Greenhouse Gases</a:t>
+            </a:r>
+          </a:p>
+        </p:txBody>
+      </p:sp>
+      <p:pic>
+        <p:nvPicPr>
+          <p:cNvPr id="5" name="Picture 4"/>
+          <p:cNvPicPr>
+            <a:picLocks noChangeAspect="1"/>
+          </p:cNvPicPr>
+          <p:nvPr/>
+        </p:nvPicPr>
+        <p:blipFill>
+          <a:blip r:embed="rId2">
+            <a:extLst>
+              <a:ext uri="{28A0092B-C50C-407E-A947-70E740481C1C}">
+                <a14:useLocalDpi xmlns:a14="http://schemas.microsoft.com/office/drawing/2010/main" val="0"/>
+              </a:ext>
+            </a:extLst>
+          </a:blip>
+          <a:stretch>
+            <a:fillRect/>
+          </a:stretch>
+        </p:blipFill>
+        <p:spPr>
+          <a:xfrm>
+            <a:off x="10064663" y="4727479"/>
+            <a:ext cx="2048005" cy="2048005"/>
+          </a:xfrm>
+          <a:prstGeom prst="rect">
+            <a:avLst/>
+          </a:prstGeom>
+        </p:spPr>
+      </p:pic>
+    </p:spTree>
+    <p:extLst>
+      <p:ext uri="{BB962C8B-B14F-4D97-AF65-F5344CB8AC3E}">
+        <p14:creationId xmlns:p14="http://schemas.microsoft.com/office/powerpoint/2010/main" val="3300407855"/>
+      </p:ext>
+    </p:extLst>
+  </p:cSld>
+  <p:clrMapOvr>
+    <a:masterClrMapping/>
+  </p:clrMapOvr>
+</p:sld>
+</file>
+
+<file path=ppt/slides/slide6.xml><?xml version="1.0" encoding="utf-8"?>
+<p:sld xmlns:a="http://schemas.openxmlformats.org/drawingml/2006/main" xmlns:r="http://schemas.openxmlformats.org/officeDocument/2006/relationships" xmlns:p="http://schemas.openxmlformats.org/presentationml/2006/main">
+  <p:cSld>
+    <p:spTree>
+      <p:nvGrpSpPr>
+        <p:cNvPr id="1" name=""/>
+        <p:cNvGrpSpPr/>
+        <p:nvPr/>
+      </p:nvGrpSpPr>
+      <p:grpSpPr>
+        <a:xfrm>
+          <a:off x="0" y="0"/>
+          <a:ext cx="0" cy="0"/>
+          <a:chOff x="0" y="0"/>
+          <a:chExt cx="0" cy="0"/>
+        </a:xfrm>
+      </p:grpSpPr>
       <p:pic>
         <p:nvPicPr>
           <p:cNvPr id="5" name="Picture 4"/>
@@ -4358,7 +4447,7 @@
 </p:sld>
 </file>
 
-<file path=ppt/slides/slide6.xml><?xml version="1.0" encoding="utf-8"?>
+<file path=ppt/slides/slide7.xml><?xml version="1.0" encoding="utf-8"?>
 <p:sld xmlns:a="http://schemas.openxmlformats.org/drawingml/2006/main" xmlns:r="http://schemas.openxmlformats.org/officeDocument/2006/relationships" xmlns:p="http://schemas.openxmlformats.org/presentationml/2006/main">
   <p:cSld>
     <p:spTree>
@@ -4666,7 +4755,7 @@
 </p:sld>
 </file>
 
-<file path=ppt/slides/slide7.xml><?xml version="1.0" encoding="utf-8"?>
+<file path=ppt/slides/slide8.xml><?xml version="1.0" encoding="utf-8"?>
 <p:sld xmlns:a="http://schemas.openxmlformats.org/drawingml/2006/main" xmlns:r="http://schemas.openxmlformats.org/officeDocument/2006/relationships" xmlns:p="http://schemas.openxmlformats.org/presentationml/2006/main">
   <p:cSld>
     <p:spTree>
@@ -4880,7 +4969,7 @@
 </p:sld>
 </file>
 
-<file path=ppt/slides/slide8.xml><?xml version="1.0" encoding="utf-8"?>
+<file path=ppt/slides/slide9.xml><?xml version="1.0" encoding="utf-8"?>
 <p:sld xmlns:a="http://schemas.openxmlformats.org/drawingml/2006/main" xmlns:r="http://schemas.openxmlformats.org/officeDocument/2006/relationships" xmlns:p="http://schemas.openxmlformats.org/presentationml/2006/main">
   <p:cSld>
     <p:spTree>
